--- a/ppt 16-9/0245.看我的救主.pptx
+++ b/ppt 16-9/0245.看我的救主.pptx
@@ -129,7 +129,7 @@
           <p:cNvPr id="2" name="标题 1">
             <a:extLst>
               <a:ext uri="{FF2B5EF4-FFF2-40B4-BE49-F238E27FC236}">
-                <a16:creationId xmlns:a16="http://schemas.microsoft.com/office/drawing/2014/main" id="{E7DF4C30-6DFF-2BF0-DA87-88534809A9A6}"/>
+                <a16:creationId xmlns:a16="http://schemas.microsoft.com/office/drawing/2014/main" id="{1F1F7A6F-6351-5652-281B-57CE1C3EE558}"/>
               </a:ext>
             </a:extLst>
           </p:cNvPr>
@@ -166,7 +166,7 @@
           <p:cNvPr id="3" name="副标题 2">
             <a:extLst>
               <a:ext uri="{FF2B5EF4-FFF2-40B4-BE49-F238E27FC236}">
-                <a16:creationId xmlns:a16="http://schemas.microsoft.com/office/drawing/2014/main" id="{37E44C3D-F4BA-BA82-970B-899B7FD24346}"/>
+                <a16:creationId xmlns:a16="http://schemas.microsoft.com/office/drawing/2014/main" id="{704A5456-6062-EF32-33BD-5EF2EA2B6753}"/>
               </a:ext>
             </a:extLst>
           </p:cNvPr>
@@ -236,7 +236,7 @@
           <p:cNvPr id="4" name="日期占位符 3">
             <a:extLst>
               <a:ext uri="{FF2B5EF4-FFF2-40B4-BE49-F238E27FC236}">
-                <a16:creationId xmlns:a16="http://schemas.microsoft.com/office/drawing/2014/main" id="{A8EDD366-6215-55C0-AB73-D7342E9BC3E3}"/>
+                <a16:creationId xmlns:a16="http://schemas.microsoft.com/office/drawing/2014/main" id="{90D63F26-E09F-DD61-5691-18613C847DE0}"/>
               </a:ext>
             </a:extLst>
           </p:cNvPr>
@@ -252,7 +252,7 @@
           <a:bodyPr/>
           <a:lstStyle/>
           <a:p>
-            <a:fld id="{26F1BD2A-C01A-4457-AE09-7ADB6E15D84F}" type="datetimeFigureOut">
+            <a:fld id="{ED46A680-7FA5-42CB-A692-815FA4C40B40}" type="datetimeFigureOut">
               <a:rPr lang="zh-CN" altLang="en-US" smtClean="0"/>
               <a:t>2024/3/10</a:t>
             </a:fld>
@@ -265,7 +265,7 @@
           <p:cNvPr id="5" name="页脚占位符 4">
             <a:extLst>
               <a:ext uri="{FF2B5EF4-FFF2-40B4-BE49-F238E27FC236}">
-                <a16:creationId xmlns:a16="http://schemas.microsoft.com/office/drawing/2014/main" id="{2B91FA3A-56E1-C2B1-71BD-454E148D1663}"/>
+                <a16:creationId xmlns:a16="http://schemas.microsoft.com/office/drawing/2014/main" id="{9097C0AD-40CC-1447-F303-4000B2C0E918}"/>
               </a:ext>
             </a:extLst>
           </p:cNvPr>
@@ -290,7 +290,7 @@
           <p:cNvPr id="6" name="灯片编号占位符 5">
             <a:extLst>
               <a:ext uri="{FF2B5EF4-FFF2-40B4-BE49-F238E27FC236}">
-                <a16:creationId xmlns:a16="http://schemas.microsoft.com/office/drawing/2014/main" id="{D6FB33B0-91BC-6DB7-8DE3-12EDC72AE315}"/>
+                <a16:creationId xmlns:a16="http://schemas.microsoft.com/office/drawing/2014/main" id="{A1F4ADF7-5DC7-CBF6-68AA-EFDD0940C9CC}"/>
               </a:ext>
             </a:extLst>
           </p:cNvPr>
@@ -306,7 +306,7 @@
           <a:bodyPr/>
           <a:lstStyle/>
           <a:p>
-            <a:fld id="{81D63AC2-DC51-48BF-A13F-CB385D88E49A}" type="slidenum">
+            <a:fld id="{82775F6B-3023-42FF-B11D-D8B2E99C7E49}" type="slidenum">
               <a:rPr lang="zh-CN" altLang="en-US" smtClean="0"/>
               <a:t>‹#›</a:t>
             </a:fld>
@@ -317,7 +317,7 @@
     </p:spTree>
     <p:extLst>
       <p:ext uri="{BB962C8B-B14F-4D97-AF65-F5344CB8AC3E}">
-        <p14:creationId xmlns:p14="http://schemas.microsoft.com/office/powerpoint/2010/main" val="4242832870"/>
+        <p14:creationId xmlns:p14="http://schemas.microsoft.com/office/powerpoint/2010/main" val="3232018441"/>
       </p:ext>
     </p:extLst>
   </p:cSld>
@@ -349,7 +349,7 @@
           <p:cNvPr id="2" name="标题 1">
             <a:extLst>
               <a:ext uri="{FF2B5EF4-FFF2-40B4-BE49-F238E27FC236}">
-                <a16:creationId xmlns:a16="http://schemas.microsoft.com/office/drawing/2014/main" id="{E5E66210-6917-416E-A8F5-9F2550CFEB36}"/>
+                <a16:creationId xmlns:a16="http://schemas.microsoft.com/office/drawing/2014/main" id="{3651972A-2CE1-3D40-E3D4-6A044C597F9E}"/>
               </a:ext>
             </a:extLst>
           </p:cNvPr>
@@ -377,7 +377,7 @@
           <p:cNvPr id="3" name="竖排文字占位符 2">
             <a:extLst>
               <a:ext uri="{FF2B5EF4-FFF2-40B4-BE49-F238E27FC236}">
-                <a16:creationId xmlns:a16="http://schemas.microsoft.com/office/drawing/2014/main" id="{061E0DC1-790F-11C1-C7EA-D07FC111A8C2}"/>
+                <a16:creationId xmlns:a16="http://schemas.microsoft.com/office/drawing/2014/main" id="{2485F3E1-44DE-C135-9CFB-B3E60A03247A}"/>
               </a:ext>
             </a:extLst>
           </p:cNvPr>
@@ -434,7 +434,7 @@
           <p:cNvPr id="4" name="日期占位符 3">
             <a:extLst>
               <a:ext uri="{FF2B5EF4-FFF2-40B4-BE49-F238E27FC236}">
-                <a16:creationId xmlns:a16="http://schemas.microsoft.com/office/drawing/2014/main" id="{A504A4BF-CB4B-E595-00DF-96C57D849183}"/>
+                <a16:creationId xmlns:a16="http://schemas.microsoft.com/office/drawing/2014/main" id="{261B42BB-77AD-7438-8ED3-F6D00551AC89}"/>
               </a:ext>
             </a:extLst>
           </p:cNvPr>
@@ -450,7 +450,7 @@
           <a:bodyPr/>
           <a:lstStyle/>
           <a:p>
-            <a:fld id="{26F1BD2A-C01A-4457-AE09-7ADB6E15D84F}" type="datetimeFigureOut">
+            <a:fld id="{ED46A680-7FA5-42CB-A692-815FA4C40B40}" type="datetimeFigureOut">
               <a:rPr lang="zh-CN" altLang="en-US" smtClean="0"/>
               <a:t>2024/3/10</a:t>
             </a:fld>
@@ -463,7 +463,7 @@
           <p:cNvPr id="5" name="页脚占位符 4">
             <a:extLst>
               <a:ext uri="{FF2B5EF4-FFF2-40B4-BE49-F238E27FC236}">
-                <a16:creationId xmlns:a16="http://schemas.microsoft.com/office/drawing/2014/main" id="{37113754-39E4-4887-27F8-2C8D55C0673B}"/>
+                <a16:creationId xmlns:a16="http://schemas.microsoft.com/office/drawing/2014/main" id="{3F949315-ED17-4543-4232-850804C68AA2}"/>
               </a:ext>
             </a:extLst>
           </p:cNvPr>
@@ -488,7 +488,7 @@
           <p:cNvPr id="6" name="灯片编号占位符 5">
             <a:extLst>
               <a:ext uri="{FF2B5EF4-FFF2-40B4-BE49-F238E27FC236}">
-                <a16:creationId xmlns:a16="http://schemas.microsoft.com/office/drawing/2014/main" id="{225B6BB4-577C-E5E0-E676-CA6A8B853A48}"/>
+                <a16:creationId xmlns:a16="http://schemas.microsoft.com/office/drawing/2014/main" id="{5605A304-A276-4B5D-5C06-DC299AEA121F}"/>
               </a:ext>
             </a:extLst>
           </p:cNvPr>
@@ -504,7 +504,7 @@
           <a:bodyPr/>
           <a:lstStyle/>
           <a:p>
-            <a:fld id="{81D63AC2-DC51-48BF-A13F-CB385D88E49A}" type="slidenum">
+            <a:fld id="{82775F6B-3023-42FF-B11D-D8B2E99C7E49}" type="slidenum">
               <a:rPr lang="zh-CN" altLang="en-US" smtClean="0"/>
               <a:t>‹#›</a:t>
             </a:fld>
@@ -515,7 +515,7 @@
     </p:spTree>
     <p:extLst>
       <p:ext uri="{BB962C8B-B14F-4D97-AF65-F5344CB8AC3E}">
-        <p14:creationId xmlns:p14="http://schemas.microsoft.com/office/powerpoint/2010/main" val="4019748432"/>
+        <p14:creationId xmlns:p14="http://schemas.microsoft.com/office/powerpoint/2010/main" val="3577032028"/>
       </p:ext>
     </p:extLst>
   </p:cSld>
@@ -547,7 +547,7 @@
           <p:cNvPr id="2" name="竖排标题 1">
             <a:extLst>
               <a:ext uri="{FF2B5EF4-FFF2-40B4-BE49-F238E27FC236}">
-                <a16:creationId xmlns:a16="http://schemas.microsoft.com/office/drawing/2014/main" id="{62EE13CA-F843-D67F-0777-A535B9972F22}"/>
+                <a16:creationId xmlns:a16="http://schemas.microsoft.com/office/drawing/2014/main" id="{FC144107-E110-A052-D762-898A4252DE32}"/>
               </a:ext>
             </a:extLst>
           </p:cNvPr>
@@ -580,7 +580,7 @@
           <p:cNvPr id="3" name="竖排文字占位符 2">
             <a:extLst>
               <a:ext uri="{FF2B5EF4-FFF2-40B4-BE49-F238E27FC236}">
-                <a16:creationId xmlns:a16="http://schemas.microsoft.com/office/drawing/2014/main" id="{600E8558-5F42-7849-2FEE-8CD49349BA58}"/>
+                <a16:creationId xmlns:a16="http://schemas.microsoft.com/office/drawing/2014/main" id="{1288065C-ED94-083C-8DE2-E8F42DDBCF60}"/>
               </a:ext>
             </a:extLst>
           </p:cNvPr>
@@ -642,7 +642,7 @@
           <p:cNvPr id="4" name="日期占位符 3">
             <a:extLst>
               <a:ext uri="{FF2B5EF4-FFF2-40B4-BE49-F238E27FC236}">
-                <a16:creationId xmlns:a16="http://schemas.microsoft.com/office/drawing/2014/main" id="{2782729B-3C62-97A3-FB34-09635734E321}"/>
+                <a16:creationId xmlns:a16="http://schemas.microsoft.com/office/drawing/2014/main" id="{7E9BD3D0-9FEA-95EC-37B1-B49E8D0B4EE0}"/>
               </a:ext>
             </a:extLst>
           </p:cNvPr>
@@ -658,7 +658,7 @@
           <a:bodyPr/>
           <a:lstStyle/>
           <a:p>
-            <a:fld id="{26F1BD2A-C01A-4457-AE09-7ADB6E15D84F}" type="datetimeFigureOut">
+            <a:fld id="{ED46A680-7FA5-42CB-A692-815FA4C40B40}" type="datetimeFigureOut">
               <a:rPr lang="zh-CN" altLang="en-US" smtClean="0"/>
               <a:t>2024/3/10</a:t>
             </a:fld>
@@ -671,7 +671,7 @@
           <p:cNvPr id="5" name="页脚占位符 4">
             <a:extLst>
               <a:ext uri="{FF2B5EF4-FFF2-40B4-BE49-F238E27FC236}">
-                <a16:creationId xmlns:a16="http://schemas.microsoft.com/office/drawing/2014/main" id="{5ABC967C-D3DC-2AD8-773A-5A7F5FD4901B}"/>
+                <a16:creationId xmlns:a16="http://schemas.microsoft.com/office/drawing/2014/main" id="{2DAA7674-AE21-70D2-30B8-2ADD3CC4432B}"/>
               </a:ext>
             </a:extLst>
           </p:cNvPr>
@@ -696,7 +696,7 @@
           <p:cNvPr id="6" name="灯片编号占位符 5">
             <a:extLst>
               <a:ext uri="{FF2B5EF4-FFF2-40B4-BE49-F238E27FC236}">
-                <a16:creationId xmlns:a16="http://schemas.microsoft.com/office/drawing/2014/main" id="{3E62F7DD-7AF3-F6DA-7DCF-1A57383446DD}"/>
+                <a16:creationId xmlns:a16="http://schemas.microsoft.com/office/drawing/2014/main" id="{A7A60F11-BF86-498E-1FF4-E19820D0D0D6}"/>
               </a:ext>
             </a:extLst>
           </p:cNvPr>
@@ -712,7 +712,7 @@
           <a:bodyPr/>
           <a:lstStyle/>
           <a:p>
-            <a:fld id="{81D63AC2-DC51-48BF-A13F-CB385D88E49A}" type="slidenum">
+            <a:fld id="{82775F6B-3023-42FF-B11D-D8B2E99C7E49}" type="slidenum">
               <a:rPr lang="zh-CN" altLang="en-US" smtClean="0"/>
               <a:t>‹#›</a:t>
             </a:fld>
@@ -723,7 +723,7 @@
     </p:spTree>
     <p:extLst>
       <p:ext uri="{BB962C8B-B14F-4D97-AF65-F5344CB8AC3E}">
-        <p14:creationId xmlns:p14="http://schemas.microsoft.com/office/powerpoint/2010/main" val="4244500785"/>
+        <p14:creationId xmlns:p14="http://schemas.microsoft.com/office/powerpoint/2010/main" val="3533602857"/>
       </p:ext>
     </p:extLst>
   </p:cSld>
@@ -755,7 +755,7 @@
           <p:cNvPr id="2" name="标题 1">
             <a:extLst>
               <a:ext uri="{FF2B5EF4-FFF2-40B4-BE49-F238E27FC236}">
-                <a16:creationId xmlns:a16="http://schemas.microsoft.com/office/drawing/2014/main" id="{9FE4F948-36C9-2A20-AA76-342BFB42B664}"/>
+                <a16:creationId xmlns:a16="http://schemas.microsoft.com/office/drawing/2014/main" id="{1C4DC5B6-28BE-E700-920D-3F9F531A5D8E}"/>
               </a:ext>
             </a:extLst>
           </p:cNvPr>
@@ -783,7 +783,7 @@
           <p:cNvPr id="3" name="内容占位符 2">
             <a:extLst>
               <a:ext uri="{FF2B5EF4-FFF2-40B4-BE49-F238E27FC236}">
-                <a16:creationId xmlns:a16="http://schemas.microsoft.com/office/drawing/2014/main" id="{595D684E-017B-7985-D2B1-D4E9655719B7}"/>
+                <a16:creationId xmlns:a16="http://schemas.microsoft.com/office/drawing/2014/main" id="{4C3B53E7-A5C8-F051-503E-AA28AF73B480}"/>
               </a:ext>
             </a:extLst>
           </p:cNvPr>
@@ -840,7 +840,7 @@
           <p:cNvPr id="4" name="日期占位符 3">
             <a:extLst>
               <a:ext uri="{FF2B5EF4-FFF2-40B4-BE49-F238E27FC236}">
-                <a16:creationId xmlns:a16="http://schemas.microsoft.com/office/drawing/2014/main" id="{B07D9064-5ACE-FC5B-039A-FE192C6BEEF0}"/>
+                <a16:creationId xmlns:a16="http://schemas.microsoft.com/office/drawing/2014/main" id="{511DFF9E-FD4B-9B5F-06E7-CB1EEA104788}"/>
               </a:ext>
             </a:extLst>
           </p:cNvPr>
@@ -856,7 +856,7 @@
           <a:bodyPr/>
           <a:lstStyle/>
           <a:p>
-            <a:fld id="{26F1BD2A-C01A-4457-AE09-7ADB6E15D84F}" type="datetimeFigureOut">
+            <a:fld id="{ED46A680-7FA5-42CB-A692-815FA4C40B40}" type="datetimeFigureOut">
               <a:rPr lang="zh-CN" altLang="en-US" smtClean="0"/>
               <a:t>2024/3/10</a:t>
             </a:fld>
@@ -869,7 +869,7 @@
           <p:cNvPr id="5" name="页脚占位符 4">
             <a:extLst>
               <a:ext uri="{FF2B5EF4-FFF2-40B4-BE49-F238E27FC236}">
-                <a16:creationId xmlns:a16="http://schemas.microsoft.com/office/drawing/2014/main" id="{9D084C3B-22AA-8A51-9F94-87D59C9517F8}"/>
+                <a16:creationId xmlns:a16="http://schemas.microsoft.com/office/drawing/2014/main" id="{DB10EB08-12B1-FA5C-3694-81670EFAEBD4}"/>
               </a:ext>
             </a:extLst>
           </p:cNvPr>
@@ -894,7 +894,7 @@
           <p:cNvPr id="6" name="灯片编号占位符 5">
             <a:extLst>
               <a:ext uri="{FF2B5EF4-FFF2-40B4-BE49-F238E27FC236}">
-                <a16:creationId xmlns:a16="http://schemas.microsoft.com/office/drawing/2014/main" id="{6CFECA20-F9D8-4C9D-BFC0-B54BCD9ACBF2}"/>
+                <a16:creationId xmlns:a16="http://schemas.microsoft.com/office/drawing/2014/main" id="{F9BE5141-0049-DD85-D108-0E89966E1750}"/>
               </a:ext>
             </a:extLst>
           </p:cNvPr>
@@ -910,7 +910,7 @@
           <a:bodyPr/>
           <a:lstStyle/>
           <a:p>
-            <a:fld id="{81D63AC2-DC51-48BF-A13F-CB385D88E49A}" type="slidenum">
+            <a:fld id="{82775F6B-3023-42FF-B11D-D8B2E99C7E49}" type="slidenum">
               <a:rPr lang="zh-CN" altLang="en-US" smtClean="0"/>
               <a:t>‹#›</a:t>
             </a:fld>
@@ -921,7 +921,7 @@
     </p:spTree>
     <p:extLst>
       <p:ext uri="{BB962C8B-B14F-4D97-AF65-F5344CB8AC3E}">
-        <p14:creationId xmlns:p14="http://schemas.microsoft.com/office/powerpoint/2010/main" val="4161836572"/>
+        <p14:creationId xmlns:p14="http://schemas.microsoft.com/office/powerpoint/2010/main" val="323469713"/>
       </p:ext>
     </p:extLst>
   </p:cSld>
@@ -953,7 +953,7 @@
           <p:cNvPr id="2" name="标题 1">
             <a:extLst>
               <a:ext uri="{FF2B5EF4-FFF2-40B4-BE49-F238E27FC236}">
-                <a16:creationId xmlns:a16="http://schemas.microsoft.com/office/drawing/2014/main" id="{FD491EC4-5DBB-153B-F45E-B0ED157DF33F}"/>
+                <a16:creationId xmlns:a16="http://schemas.microsoft.com/office/drawing/2014/main" id="{AA07E58C-782C-0517-EE2D-689E6FA01E03}"/>
               </a:ext>
             </a:extLst>
           </p:cNvPr>
@@ -990,7 +990,7 @@
           <p:cNvPr id="3" name="文本占位符 2">
             <a:extLst>
               <a:ext uri="{FF2B5EF4-FFF2-40B4-BE49-F238E27FC236}">
-                <a16:creationId xmlns:a16="http://schemas.microsoft.com/office/drawing/2014/main" id="{3C5D6938-ADAE-89FF-6411-4FE8D13A3092}"/>
+                <a16:creationId xmlns:a16="http://schemas.microsoft.com/office/drawing/2014/main" id="{F77A2E7D-AFBC-9F7A-EFD2-A5163C6E5C9D}"/>
               </a:ext>
             </a:extLst>
           </p:cNvPr>
@@ -1115,7 +1115,7 @@
           <p:cNvPr id="4" name="日期占位符 3">
             <a:extLst>
               <a:ext uri="{FF2B5EF4-FFF2-40B4-BE49-F238E27FC236}">
-                <a16:creationId xmlns:a16="http://schemas.microsoft.com/office/drawing/2014/main" id="{22DED87A-33EC-86E3-1F13-E8142CCEBB2C}"/>
+                <a16:creationId xmlns:a16="http://schemas.microsoft.com/office/drawing/2014/main" id="{7100F5E7-202F-12E9-5E95-81825C57016B}"/>
               </a:ext>
             </a:extLst>
           </p:cNvPr>
@@ -1131,7 +1131,7 @@
           <a:bodyPr/>
           <a:lstStyle/>
           <a:p>
-            <a:fld id="{26F1BD2A-C01A-4457-AE09-7ADB6E15D84F}" type="datetimeFigureOut">
+            <a:fld id="{ED46A680-7FA5-42CB-A692-815FA4C40B40}" type="datetimeFigureOut">
               <a:rPr lang="zh-CN" altLang="en-US" smtClean="0"/>
               <a:t>2024/3/10</a:t>
             </a:fld>
@@ -1144,7 +1144,7 @@
           <p:cNvPr id="5" name="页脚占位符 4">
             <a:extLst>
               <a:ext uri="{FF2B5EF4-FFF2-40B4-BE49-F238E27FC236}">
-                <a16:creationId xmlns:a16="http://schemas.microsoft.com/office/drawing/2014/main" id="{5FB0FDE5-57D8-16BE-480C-A5B10E20A1C2}"/>
+                <a16:creationId xmlns:a16="http://schemas.microsoft.com/office/drawing/2014/main" id="{0340F998-ECE8-AEF7-F2FE-9FA123F7A1A2}"/>
               </a:ext>
             </a:extLst>
           </p:cNvPr>
@@ -1169,7 +1169,7 @@
           <p:cNvPr id="6" name="灯片编号占位符 5">
             <a:extLst>
               <a:ext uri="{FF2B5EF4-FFF2-40B4-BE49-F238E27FC236}">
-                <a16:creationId xmlns:a16="http://schemas.microsoft.com/office/drawing/2014/main" id="{CC17C3D3-3DCB-4AA3-1D81-716B743830DB}"/>
+                <a16:creationId xmlns:a16="http://schemas.microsoft.com/office/drawing/2014/main" id="{49F6C23F-60E3-8C82-A818-03CBE37E44B6}"/>
               </a:ext>
             </a:extLst>
           </p:cNvPr>
@@ -1185,7 +1185,7 @@
           <a:bodyPr/>
           <a:lstStyle/>
           <a:p>
-            <a:fld id="{81D63AC2-DC51-48BF-A13F-CB385D88E49A}" type="slidenum">
+            <a:fld id="{82775F6B-3023-42FF-B11D-D8B2E99C7E49}" type="slidenum">
               <a:rPr lang="zh-CN" altLang="en-US" smtClean="0"/>
               <a:t>‹#›</a:t>
             </a:fld>
@@ -1196,7 +1196,7 @@
     </p:spTree>
     <p:extLst>
       <p:ext uri="{BB962C8B-B14F-4D97-AF65-F5344CB8AC3E}">
-        <p14:creationId xmlns:p14="http://schemas.microsoft.com/office/powerpoint/2010/main" val="422961244"/>
+        <p14:creationId xmlns:p14="http://schemas.microsoft.com/office/powerpoint/2010/main" val="3767965877"/>
       </p:ext>
     </p:extLst>
   </p:cSld>
@@ -1228,7 +1228,7 @@
           <p:cNvPr id="2" name="标题 1">
             <a:extLst>
               <a:ext uri="{FF2B5EF4-FFF2-40B4-BE49-F238E27FC236}">
-                <a16:creationId xmlns:a16="http://schemas.microsoft.com/office/drawing/2014/main" id="{DE2D0AC4-2D33-CC84-AA64-E0A2B83B75ED}"/>
+                <a16:creationId xmlns:a16="http://schemas.microsoft.com/office/drawing/2014/main" id="{5D3BCA90-6B0E-089E-7D26-8774942C4B2E}"/>
               </a:ext>
             </a:extLst>
           </p:cNvPr>
@@ -1256,7 +1256,7 @@
           <p:cNvPr id="3" name="内容占位符 2">
             <a:extLst>
               <a:ext uri="{FF2B5EF4-FFF2-40B4-BE49-F238E27FC236}">
-                <a16:creationId xmlns:a16="http://schemas.microsoft.com/office/drawing/2014/main" id="{C2120340-1363-8818-6EA0-E96BF798D22B}"/>
+                <a16:creationId xmlns:a16="http://schemas.microsoft.com/office/drawing/2014/main" id="{38CED3E3-1A5C-08D3-7827-2C19EAB80805}"/>
               </a:ext>
             </a:extLst>
           </p:cNvPr>
@@ -1318,7 +1318,7 @@
           <p:cNvPr id="4" name="内容占位符 3">
             <a:extLst>
               <a:ext uri="{FF2B5EF4-FFF2-40B4-BE49-F238E27FC236}">
-                <a16:creationId xmlns:a16="http://schemas.microsoft.com/office/drawing/2014/main" id="{D4D7316F-B318-34A1-FE47-AAF92124EA2E}"/>
+                <a16:creationId xmlns:a16="http://schemas.microsoft.com/office/drawing/2014/main" id="{82FB7717-8212-5AE8-AF2F-12136D3933A8}"/>
               </a:ext>
             </a:extLst>
           </p:cNvPr>
@@ -1380,7 +1380,7 @@
           <p:cNvPr id="5" name="日期占位符 4">
             <a:extLst>
               <a:ext uri="{FF2B5EF4-FFF2-40B4-BE49-F238E27FC236}">
-                <a16:creationId xmlns:a16="http://schemas.microsoft.com/office/drawing/2014/main" id="{CFB364F5-578C-101D-7088-9E3D5FB0B598}"/>
+                <a16:creationId xmlns:a16="http://schemas.microsoft.com/office/drawing/2014/main" id="{BD663D7D-41C7-68FF-2A46-23C7B12862DC}"/>
               </a:ext>
             </a:extLst>
           </p:cNvPr>
@@ -1396,7 +1396,7 @@
           <a:bodyPr/>
           <a:lstStyle/>
           <a:p>
-            <a:fld id="{26F1BD2A-C01A-4457-AE09-7ADB6E15D84F}" type="datetimeFigureOut">
+            <a:fld id="{ED46A680-7FA5-42CB-A692-815FA4C40B40}" type="datetimeFigureOut">
               <a:rPr lang="zh-CN" altLang="en-US" smtClean="0"/>
               <a:t>2024/3/10</a:t>
             </a:fld>
@@ -1409,7 +1409,7 @@
           <p:cNvPr id="6" name="页脚占位符 5">
             <a:extLst>
               <a:ext uri="{FF2B5EF4-FFF2-40B4-BE49-F238E27FC236}">
-                <a16:creationId xmlns:a16="http://schemas.microsoft.com/office/drawing/2014/main" id="{4825134B-EAA9-2E63-77AF-DA36AD0E8E98}"/>
+                <a16:creationId xmlns:a16="http://schemas.microsoft.com/office/drawing/2014/main" id="{92AF9A36-E346-667D-24F5-6F687107436F}"/>
               </a:ext>
             </a:extLst>
           </p:cNvPr>
@@ -1434,7 +1434,7 @@
           <p:cNvPr id="7" name="灯片编号占位符 6">
             <a:extLst>
               <a:ext uri="{FF2B5EF4-FFF2-40B4-BE49-F238E27FC236}">
-                <a16:creationId xmlns:a16="http://schemas.microsoft.com/office/drawing/2014/main" id="{C6950414-5359-D70B-2293-8871C321AD55}"/>
+                <a16:creationId xmlns:a16="http://schemas.microsoft.com/office/drawing/2014/main" id="{812943CF-022F-39BE-65AA-213D707BD4B6}"/>
               </a:ext>
             </a:extLst>
           </p:cNvPr>
@@ -1450,7 +1450,7 @@
           <a:bodyPr/>
           <a:lstStyle/>
           <a:p>
-            <a:fld id="{81D63AC2-DC51-48BF-A13F-CB385D88E49A}" type="slidenum">
+            <a:fld id="{82775F6B-3023-42FF-B11D-D8B2E99C7E49}" type="slidenum">
               <a:rPr lang="zh-CN" altLang="en-US" smtClean="0"/>
               <a:t>‹#›</a:t>
             </a:fld>
@@ -1461,7 +1461,7 @@
     </p:spTree>
     <p:extLst>
       <p:ext uri="{BB962C8B-B14F-4D97-AF65-F5344CB8AC3E}">
-        <p14:creationId xmlns:p14="http://schemas.microsoft.com/office/powerpoint/2010/main" val="110487772"/>
+        <p14:creationId xmlns:p14="http://schemas.microsoft.com/office/powerpoint/2010/main" val="1363882913"/>
       </p:ext>
     </p:extLst>
   </p:cSld>
@@ -1493,7 +1493,7 @@
           <p:cNvPr id="2" name="标题 1">
             <a:extLst>
               <a:ext uri="{FF2B5EF4-FFF2-40B4-BE49-F238E27FC236}">
-                <a16:creationId xmlns:a16="http://schemas.microsoft.com/office/drawing/2014/main" id="{7CC1C5CA-BE6A-E2C8-59AD-91E2BDD41334}"/>
+                <a16:creationId xmlns:a16="http://schemas.microsoft.com/office/drawing/2014/main" id="{52F62C75-FBBD-0068-84ED-B1912F42DDC2}"/>
               </a:ext>
             </a:extLst>
           </p:cNvPr>
@@ -1526,7 +1526,7 @@
           <p:cNvPr id="3" name="文本占位符 2">
             <a:extLst>
               <a:ext uri="{FF2B5EF4-FFF2-40B4-BE49-F238E27FC236}">
-                <a16:creationId xmlns:a16="http://schemas.microsoft.com/office/drawing/2014/main" id="{5567C444-147E-B47A-2233-55E9FD1490EF}"/>
+                <a16:creationId xmlns:a16="http://schemas.microsoft.com/office/drawing/2014/main" id="{1A844BC6-C5E2-8CCF-7CE9-2A6328528A1B}"/>
               </a:ext>
             </a:extLst>
           </p:cNvPr>
@@ -1597,7 +1597,7 @@
           <p:cNvPr id="4" name="内容占位符 3">
             <a:extLst>
               <a:ext uri="{FF2B5EF4-FFF2-40B4-BE49-F238E27FC236}">
-                <a16:creationId xmlns:a16="http://schemas.microsoft.com/office/drawing/2014/main" id="{79E76E99-FA3D-F754-5637-B93F756A6903}"/>
+                <a16:creationId xmlns:a16="http://schemas.microsoft.com/office/drawing/2014/main" id="{D56FD701-68C0-9818-0937-8CC6BE28A197}"/>
               </a:ext>
             </a:extLst>
           </p:cNvPr>
@@ -1659,7 +1659,7 @@
           <p:cNvPr id="5" name="文本占位符 4">
             <a:extLst>
               <a:ext uri="{FF2B5EF4-FFF2-40B4-BE49-F238E27FC236}">
-                <a16:creationId xmlns:a16="http://schemas.microsoft.com/office/drawing/2014/main" id="{3978A732-C94C-8227-49E4-02988894C39D}"/>
+                <a16:creationId xmlns:a16="http://schemas.microsoft.com/office/drawing/2014/main" id="{F410533A-9FA7-62C9-14C2-C027E527B019}"/>
               </a:ext>
             </a:extLst>
           </p:cNvPr>
@@ -1730,7 +1730,7 @@
           <p:cNvPr id="6" name="内容占位符 5">
             <a:extLst>
               <a:ext uri="{FF2B5EF4-FFF2-40B4-BE49-F238E27FC236}">
-                <a16:creationId xmlns:a16="http://schemas.microsoft.com/office/drawing/2014/main" id="{522CF6C7-D471-3F6F-16C9-57CDD755C03E}"/>
+                <a16:creationId xmlns:a16="http://schemas.microsoft.com/office/drawing/2014/main" id="{338FC44C-9F49-ADC4-F396-F35000A98D35}"/>
               </a:ext>
             </a:extLst>
           </p:cNvPr>
@@ -1792,7 +1792,7 @@
           <p:cNvPr id="7" name="日期占位符 6">
             <a:extLst>
               <a:ext uri="{FF2B5EF4-FFF2-40B4-BE49-F238E27FC236}">
-                <a16:creationId xmlns:a16="http://schemas.microsoft.com/office/drawing/2014/main" id="{E0ADC663-EF60-3DC5-CE37-BB159E376FBD}"/>
+                <a16:creationId xmlns:a16="http://schemas.microsoft.com/office/drawing/2014/main" id="{A60569C7-9D25-FE17-F299-745CDEC258FF}"/>
               </a:ext>
             </a:extLst>
           </p:cNvPr>
@@ -1808,7 +1808,7 @@
           <a:bodyPr/>
           <a:lstStyle/>
           <a:p>
-            <a:fld id="{26F1BD2A-C01A-4457-AE09-7ADB6E15D84F}" type="datetimeFigureOut">
+            <a:fld id="{ED46A680-7FA5-42CB-A692-815FA4C40B40}" type="datetimeFigureOut">
               <a:rPr lang="zh-CN" altLang="en-US" smtClean="0"/>
               <a:t>2024/3/10</a:t>
             </a:fld>
@@ -1821,7 +1821,7 @@
           <p:cNvPr id="8" name="页脚占位符 7">
             <a:extLst>
               <a:ext uri="{FF2B5EF4-FFF2-40B4-BE49-F238E27FC236}">
-                <a16:creationId xmlns:a16="http://schemas.microsoft.com/office/drawing/2014/main" id="{4AA5D1BF-A1ED-1801-BDD5-149AD33AD609}"/>
+                <a16:creationId xmlns:a16="http://schemas.microsoft.com/office/drawing/2014/main" id="{217D0BAA-6159-3E2D-2D59-857B4B479D71}"/>
               </a:ext>
             </a:extLst>
           </p:cNvPr>
@@ -1846,7 +1846,7 @@
           <p:cNvPr id="9" name="灯片编号占位符 8">
             <a:extLst>
               <a:ext uri="{FF2B5EF4-FFF2-40B4-BE49-F238E27FC236}">
-                <a16:creationId xmlns:a16="http://schemas.microsoft.com/office/drawing/2014/main" id="{29DD7E3A-49C2-CB9D-E14A-2DFB777EB390}"/>
+                <a16:creationId xmlns:a16="http://schemas.microsoft.com/office/drawing/2014/main" id="{41EF38D6-DA0F-2EC5-ABC6-6F7B0BF2B995}"/>
               </a:ext>
             </a:extLst>
           </p:cNvPr>
@@ -1862,7 +1862,7 @@
           <a:bodyPr/>
           <a:lstStyle/>
           <a:p>
-            <a:fld id="{81D63AC2-DC51-48BF-A13F-CB385D88E49A}" type="slidenum">
+            <a:fld id="{82775F6B-3023-42FF-B11D-D8B2E99C7E49}" type="slidenum">
               <a:rPr lang="zh-CN" altLang="en-US" smtClean="0"/>
               <a:t>‹#›</a:t>
             </a:fld>
@@ -1873,7 +1873,7 @@
     </p:spTree>
     <p:extLst>
       <p:ext uri="{BB962C8B-B14F-4D97-AF65-F5344CB8AC3E}">
-        <p14:creationId xmlns:p14="http://schemas.microsoft.com/office/powerpoint/2010/main" val="3420864404"/>
+        <p14:creationId xmlns:p14="http://schemas.microsoft.com/office/powerpoint/2010/main" val="182184923"/>
       </p:ext>
     </p:extLst>
   </p:cSld>
@@ -1905,7 +1905,7 @@
           <p:cNvPr id="2" name="标题 1">
             <a:extLst>
               <a:ext uri="{FF2B5EF4-FFF2-40B4-BE49-F238E27FC236}">
-                <a16:creationId xmlns:a16="http://schemas.microsoft.com/office/drawing/2014/main" id="{3F2DE780-813B-B7CC-05F3-5CB24B5633BF}"/>
+                <a16:creationId xmlns:a16="http://schemas.microsoft.com/office/drawing/2014/main" id="{D7967412-28E6-4702-6C99-5CEA59462C1C}"/>
               </a:ext>
             </a:extLst>
           </p:cNvPr>
@@ -1933,7 +1933,7 @@
           <p:cNvPr id="3" name="日期占位符 2">
             <a:extLst>
               <a:ext uri="{FF2B5EF4-FFF2-40B4-BE49-F238E27FC236}">
-                <a16:creationId xmlns:a16="http://schemas.microsoft.com/office/drawing/2014/main" id="{46A34171-35F5-38D5-EB5F-96969AACBE53}"/>
+                <a16:creationId xmlns:a16="http://schemas.microsoft.com/office/drawing/2014/main" id="{F67C8CE1-6A59-E85A-605C-D99DC2BADE32}"/>
               </a:ext>
             </a:extLst>
           </p:cNvPr>
@@ -1949,7 +1949,7 @@
           <a:bodyPr/>
           <a:lstStyle/>
           <a:p>
-            <a:fld id="{26F1BD2A-C01A-4457-AE09-7ADB6E15D84F}" type="datetimeFigureOut">
+            <a:fld id="{ED46A680-7FA5-42CB-A692-815FA4C40B40}" type="datetimeFigureOut">
               <a:rPr lang="zh-CN" altLang="en-US" smtClean="0"/>
               <a:t>2024/3/10</a:t>
             </a:fld>
@@ -1962,7 +1962,7 @@
           <p:cNvPr id="4" name="页脚占位符 3">
             <a:extLst>
               <a:ext uri="{FF2B5EF4-FFF2-40B4-BE49-F238E27FC236}">
-                <a16:creationId xmlns:a16="http://schemas.microsoft.com/office/drawing/2014/main" id="{0A2EC738-3D13-FC1D-AE55-8DC643FE34E0}"/>
+                <a16:creationId xmlns:a16="http://schemas.microsoft.com/office/drawing/2014/main" id="{CE00865E-1883-921B-BBBC-82C1D1638170}"/>
               </a:ext>
             </a:extLst>
           </p:cNvPr>
@@ -1987,7 +1987,7 @@
           <p:cNvPr id="5" name="灯片编号占位符 4">
             <a:extLst>
               <a:ext uri="{FF2B5EF4-FFF2-40B4-BE49-F238E27FC236}">
-                <a16:creationId xmlns:a16="http://schemas.microsoft.com/office/drawing/2014/main" id="{0EB0B42B-A790-073F-AE2E-8114C17F2037}"/>
+                <a16:creationId xmlns:a16="http://schemas.microsoft.com/office/drawing/2014/main" id="{C383CD64-ACEB-0A5A-A520-BEA6F9897485}"/>
               </a:ext>
             </a:extLst>
           </p:cNvPr>
@@ -2003,7 +2003,7 @@
           <a:bodyPr/>
           <a:lstStyle/>
           <a:p>
-            <a:fld id="{81D63AC2-DC51-48BF-A13F-CB385D88E49A}" type="slidenum">
+            <a:fld id="{82775F6B-3023-42FF-B11D-D8B2E99C7E49}" type="slidenum">
               <a:rPr lang="zh-CN" altLang="en-US" smtClean="0"/>
               <a:t>‹#›</a:t>
             </a:fld>
@@ -2014,7 +2014,7 @@
     </p:spTree>
     <p:extLst>
       <p:ext uri="{BB962C8B-B14F-4D97-AF65-F5344CB8AC3E}">
-        <p14:creationId xmlns:p14="http://schemas.microsoft.com/office/powerpoint/2010/main" val="3580089665"/>
+        <p14:creationId xmlns:p14="http://schemas.microsoft.com/office/powerpoint/2010/main" val="2739521422"/>
       </p:ext>
     </p:extLst>
   </p:cSld>
@@ -2046,7 +2046,7 @@
           <p:cNvPr id="2" name="日期占位符 1">
             <a:extLst>
               <a:ext uri="{FF2B5EF4-FFF2-40B4-BE49-F238E27FC236}">
-                <a16:creationId xmlns:a16="http://schemas.microsoft.com/office/drawing/2014/main" id="{B8421609-4810-0B6B-3EAA-7638904DB15A}"/>
+                <a16:creationId xmlns:a16="http://schemas.microsoft.com/office/drawing/2014/main" id="{ADA8170E-36BD-4F35-E4C9-8A6D4CEC3174}"/>
               </a:ext>
             </a:extLst>
           </p:cNvPr>
@@ -2062,7 +2062,7 @@
           <a:bodyPr/>
           <a:lstStyle/>
           <a:p>
-            <a:fld id="{26F1BD2A-C01A-4457-AE09-7ADB6E15D84F}" type="datetimeFigureOut">
+            <a:fld id="{ED46A680-7FA5-42CB-A692-815FA4C40B40}" type="datetimeFigureOut">
               <a:rPr lang="zh-CN" altLang="en-US" smtClean="0"/>
               <a:t>2024/3/10</a:t>
             </a:fld>
@@ -2075,7 +2075,7 @@
           <p:cNvPr id="3" name="页脚占位符 2">
             <a:extLst>
               <a:ext uri="{FF2B5EF4-FFF2-40B4-BE49-F238E27FC236}">
-                <a16:creationId xmlns:a16="http://schemas.microsoft.com/office/drawing/2014/main" id="{3BDA8E76-5325-E145-ACFA-18E2236CAB5B}"/>
+                <a16:creationId xmlns:a16="http://schemas.microsoft.com/office/drawing/2014/main" id="{1363EBC3-B88D-BC12-054E-A4F0FC70A114}"/>
               </a:ext>
             </a:extLst>
           </p:cNvPr>
@@ -2100,7 +2100,7 @@
           <p:cNvPr id="4" name="灯片编号占位符 3">
             <a:extLst>
               <a:ext uri="{FF2B5EF4-FFF2-40B4-BE49-F238E27FC236}">
-                <a16:creationId xmlns:a16="http://schemas.microsoft.com/office/drawing/2014/main" id="{EE883B75-2D56-E0D4-54E4-75DEBBC90EAF}"/>
+                <a16:creationId xmlns:a16="http://schemas.microsoft.com/office/drawing/2014/main" id="{3D92B59F-8989-704A-405F-A9EFD33F437B}"/>
               </a:ext>
             </a:extLst>
           </p:cNvPr>
@@ -2116,7 +2116,7 @@
           <a:bodyPr/>
           <a:lstStyle/>
           <a:p>
-            <a:fld id="{81D63AC2-DC51-48BF-A13F-CB385D88E49A}" type="slidenum">
+            <a:fld id="{82775F6B-3023-42FF-B11D-D8B2E99C7E49}" type="slidenum">
               <a:rPr lang="zh-CN" altLang="en-US" smtClean="0"/>
               <a:t>‹#›</a:t>
             </a:fld>
@@ -2127,7 +2127,7 @@
     </p:spTree>
     <p:extLst>
       <p:ext uri="{BB962C8B-B14F-4D97-AF65-F5344CB8AC3E}">
-        <p14:creationId xmlns:p14="http://schemas.microsoft.com/office/powerpoint/2010/main" val="120352880"/>
+        <p14:creationId xmlns:p14="http://schemas.microsoft.com/office/powerpoint/2010/main" val="1063929763"/>
       </p:ext>
     </p:extLst>
   </p:cSld>
@@ -2159,7 +2159,7 @@
           <p:cNvPr id="2" name="标题 1">
             <a:extLst>
               <a:ext uri="{FF2B5EF4-FFF2-40B4-BE49-F238E27FC236}">
-                <a16:creationId xmlns:a16="http://schemas.microsoft.com/office/drawing/2014/main" id="{70418A0C-0053-89C5-6FF3-534EEB3BFD68}"/>
+                <a16:creationId xmlns:a16="http://schemas.microsoft.com/office/drawing/2014/main" id="{D29C3997-CB84-B74C-509E-59861FE0E09F}"/>
               </a:ext>
             </a:extLst>
           </p:cNvPr>
@@ -2196,7 +2196,7 @@
           <p:cNvPr id="3" name="内容占位符 2">
             <a:extLst>
               <a:ext uri="{FF2B5EF4-FFF2-40B4-BE49-F238E27FC236}">
-                <a16:creationId xmlns:a16="http://schemas.microsoft.com/office/drawing/2014/main" id="{75EEEEA1-B069-CF9A-548C-6A9AD348FE7D}"/>
+                <a16:creationId xmlns:a16="http://schemas.microsoft.com/office/drawing/2014/main" id="{624697F3-E6AE-59CE-7071-858F5D599785}"/>
               </a:ext>
             </a:extLst>
           </p:cNvPr>
@@ -2286,7 +2286,7 @@
           <p:cNvPr id="4" name="文本占位符 3">
             <a:extLst>
               <a:ext uri="{FF2B5EF4-FFF2-40B4-BE49-F238E27FC236}">
-                <a16:creationId xmlns:a16="http://schemas.microsoft.com/office/drawing/2014/main" id="{6C58B426-C1FC-36F9-AE0C-F5FB6239605F}"/>
+                <a16:creationId xmlns:a16="http://schemas.microsoft.com/office/drawing/2014/main" id="{D760FF8A-6809-F79C-4608-E3D49924DDCA}"/>
               </a:ext>
             </a:extLst>
           </p:cNvPr>
@@ -2357,7 +2357,7 @@
           <p:cNvPr id="5" name="日期占位符 4">
             <a:extLst>
               <a:ext uri="{FF2B5EF4-FFF2-40B4-BE49-F238E27FC236}">
-                <a16:creationId xmlns:a16="http://schemas.microsoft.com/office/drawing/2014/main" id="{CBA7DC95-6743-7CF7-54C5-0E7E3040F7D3}"/>
+                <a16:creationId xmlns:a16="http://schemas.microsoft.com/office/drawing/2014/main" id="{EF360349-FAAF-27DA-659D-9F771694AECA}"/>
               </a:ext>
             </a:extLst>
           </p:cNvPr>
@@ -2373,7 +2373,7 @@
           <a:bodyPr/>
           <a:lstStyle/>
           <a:p>
-            <a:fld id="{26F1BD2A-C01A-4457-AE09-7ADB6E15D84F}" type="datetimeFigureOut">
+            <a:fld id="{ED46A680-7FA5-42CB-A692-815FA4C40B40}" type="datetimeFigureOut">
               <a:rPr lang="zh-CN" altLang="en-US" smtClean="0"/>
               <a:t>2024/3/10</a:t>
             </a:fld>
@@ -2386,7 +2386,7 @@
           <p:cNvPr id="6" name="页脚占位符 5">
             <a:extLst>
               <a:ext uri="{FF2B5EF4-FFF2-40B4-BE49-F238E27FC236}">
-                <a16:creationId xmlns:a16="http://schemas.microsoft.com/office/drawing/2014/main" id="{9EBC7699-5C8A-2EC5-FFF2-135E51BF6C79}"/>
+                <a16:creationId xmlns:a16="http://schemas.microsoft.com/office/drawing/2014/main" id="{2AD9C9D9-EE55-B449-073A-E74C8CB71E89}"/>
               </a:ext>
             </a:extLst>
           </p:cNvPr>
@@ -2411,7 +2411,7 @@
           <p:cNvPr id="7" name="灯片编号占位符 6">
             <a:extLst>
               <a:ext uri="{FF2B5EF4-FFF2-40B4-BE49-F238E27FC236}">
-                <a16:creationId xmlns:a16="http://schemas.microsoft.com/office/drawing/2014/main" id="{17D6CADF-0327-5520-F7B2-43B21C16D889}"/>
+                <a16:creationId xmlns:a16="http://schemas.microsoft.com/office/drawing/2014/main" id="{75C76C12-EA17-4FB3-A123-F19DA8225450}"/>
               </a:ext>
             </a:extLst>
           </p:cNvPr>
@@ -2427,7 +2427,7 @@
           <a:bodyPr/>
           <a:lstStyle/>
           <a:p>
-            <a:fld id="{81D63AC2-DC51-48BF-A13F-CB385D88E49A}" type="slidenum">
+            <a:fld id="{82775F6B-3023-42FF-B11D-D8B2E99C7E49}" type="slidenum">
               <a:rPr lang="zh-CN" altLang="en-US" smtClean="0"/>
               <a:t>‹#›</a:t>
             </a:fld>
@@ -2438,7 +2438,7 @@
     </p:spTree>
     <p:extLst>
       <p:ext uri="{BB962C8B-B14F-4D97-AF65-F5344CB8AC3E}">
-        <p14:creationId xmlns:p14="http://schemas.microsoft.com/office/powerpoint/2010/main" val="2640069743"/>
+        <p14:creationId xmlns:p14="http://schemas.microsoft.com/office/powerpoint/2010/main" val="872618018"/>
       </p:ext>
     </p:extLst>
   </p:cSld>
@@ -2470,7 +2470,7 @@
           <p:cNvPr id="2" name="标题 1">
             <a:extLst>
               <a:ext uri="{FF2B5EF4-FFF2-40B4-BE49-F238E27FC236}">
-                <a16:creationId xmlns:a16="http://schemas.microsoft.com/office/drawing/2014/main" id="{03098C45-7911-B480-23C1-38BEDA196EC1}"/>
+                <a16:creationId xmlns:a16="http://schemas.microsoft.com/office/drawing/2014/main" id="{0F5D129F-871E-A7ED-ADA6-49F45F404167}"/>
               </a:ext>
             </a:extLst>
           </p:cNvPr>
@@ -2507,7 +2507,7 @@
           <p:cNvPr id="3" name="图片占位符 2">
             <a:extLst>
               <a:ext uri="{FF2B5EF4-FFF2-40B4-BE49-F238E27FC236}">
-                <a16:creationId xmlns:a16="http://schemas.microsoft.com/office/drawing/2014/main" id="{48A025E1-2FBF-908E-7DC9-D2262CEEDAD9}"/>
+                <a16:creationId xmlns:a16="http://schemas.microsoft.com/office/drawing/2014/main" id="{6E0E3098-948B-68C1-B27C-5EC9D800930A}"/>
               </a:ext>
             </a:extLst>
           </p:cNvPr>
@@ -2574,7 +2574,7 @@
           <p:cNvPr id="4" name="文本占位符 3">
             <a:extLst>
               <a:ext uri="{FF2B5EF4-FFF2-40B4-BE49-F238E27FC236}">
-                <a16:creationId xmlns:a16="http://schemas.microsoft.com/office/drawing/2014/main" id="{E77CAEC3-2395-D220-0222-8657C486C4E1}"/>
+                <a16:creationId xmlns:a16="http://schemas.microsoft.com/office/drawing/2014/main" id="{C6929319-1D11-B2E4-FCA5-C7AA18C0DAAB}"/>
               </a:ext>
             </a:extLst>
           </p:cNvPr>
@@ -2645,7 +2645,7 @@
           <p:cNvPr id="5" name="日期占位符 4">
             <a:extLst>
               <a:ext uri="{FF2B5EF4-FFF2-40B4-BE49-F238E27FC236}">
-                <a16:creationId xmlns:a16="http://schemas.microsoft.com/office/drawing/2014/main" id="{29816980-D057-AEB7-496D-56669B973631}"/>
+                <a16:creationId xmlns:a16="http://schemas.microsoft.com/office/drawing/2014/main" id="{F9846B25-E1AD-BA4A-34D8-CAE953DBE287}"/>
               </a:ext>
             </a:extLst>
           </p:cNvPr>
@@ -2661,7 +2661,7 @@
           <a:bodyPr/>
           <a:lstStyle/>
           <a:p>
-            <a:fld id="{26F1BD2A-C01A-4457-AE09-7ADB6E15D84F}" type="datetimeFigureOut">
+            <a:fld id="{ED46A680-7FA5-42CB-A692-815FA4C40B40}" type="datetimeFigureOut">
               <a:rPr lang="zh-CN" altLang="en-US" smtClean="0"/>
               <a:t>2024/3/10</a:t>
             </a:fld>
@@ -2674,7 +2674,7 @@
           <p:cNvPr id="6" name="页脚占位符 5">
             <a:extLst>
               <a:ext uri="{FF2B5EF4-FFF2-40B4-BE49-F238E27FC236}">
-                <a16:creationId xmlns:a16="http://schemas.microsoft.com/office/drawing/2014/main" id="{20C38D0E-0313-7130-A9C7-BA51D1EB5FFC}"/>
+                <a16:creationId xmlns:a16="http://schemas.microsoft.com/office/drawing/2014/main" id="{9D3EF3FF-0D5B-F354-2C39-4EFB8060FFD5}"/>
               </a:ext>
             </a:extLst>
           </p:cNvPr>
@@ -2699,7 +2699,7 @@
           <p:cNvPr id="7" name="灯片编号占位符 6">
             <a:extLst>
               <a:ext uri="{FF2B5EF4-FFF2-40B4-BE49-F238E27FC236}">
-                <a16:creationId xmlns:a16="http://schemas.microsoft.com/office/drawing/2014/main" id="{967390D4-AB5B-CCDB-08D1-B36409F8B565}"/>
+                <a16:creationId xmlns:a16="http://schemas.microsoft.com/office/drawing/2014/main" id="{5FE93A8A-7067-3CFD-7DEA-BE541B79461F}"/>
               </a:ext>
             </a:extLst>
           </p:cNvPr>
@@ -2715,7 +2715,7 @@
           <a:bodyPr/>
           <a:lstStyle/>
           <a:p>
-            <a:fld id="{81D63AC2-DC51-48BF-A13F-CB385D88E49A}" type="slidenum">
+            <a:fld id="{82775F6B-3023-42FF-B11D-D8B2E99C7E49}" type="slidenum">
               <a:rPr lang="zh-CN" altLang="en-US" smtClean="0"/>
               <a:t>‹#›</a:t>
             </a:fld>
@@ -2726,7 +2726,7 @@
     </p:spTree>
     <p:extLst>
       <p:ext uri="{BB962C8B-B14F-4D97-AF65-F5344CB8AC3E}">
-        <p14:creationId xmlns:p14="http://schemas.microsoft.com/office/powerpoint/2010/main" val="251151215"/>
+        <p14:creationId xmlns:p14="http://schemas.microsoft.com/office/powerpoint/2010/main" val="3013683465"/>
       </p:ext>
     </p:extLst>
   </p:cSld>
@@ -2763,7 +2763,7 @@
           <p:cNvPr id="2" name="标题占位符 1">
             <a:extLst>
               <a:ext uri="{FF2B5EF4-FFF2-40B4-BE49-F238E27FC236}">
-                <a16:creationId xmlns:a16="http://schemas.microsoft.com/office/drawing/2014/main" id="{820747C7-C958-E4D2-C15E-E841F77A6866}"/>
+                <a16:creationId xmlns:a16="http://schemas.microsoft.com/office/drawing/2014/main" id="{336C50C8-8C29-E723-3009-7B31E7AF5013}"/>
               </a:ext>
             </a:extLst>
           </p:cNvPr>
@@ -2801,7 +2801,7 @@
           <p:cNvPr id="3" name="文本占位符 2">
             <a:extLst>
               <a:ext uri="{FF2B5EF4-FFF2-40B4-BE49-F238E27FC236}">
-                <a16:creationId xmlns:a16="http://schemas.microsoft.com/office/drawing/2014/main" id="{678D0927-AFDA-C615-22E2-8D48EC1A4CA9}"/>
+                <a16:creationId xmlns:a16="http://schemas.microsoft.com/office/drawing/2014/main" id="{D65FCFB7-C32F-4449-834A-2E10E4C900EF}"/>
               </a:ext>
             </a:extLst>
           </p:cNvPr>
@@ -2868,7 +2868,7 @@
           <p:cNvPr id="4" name="日期占位符 3">
             <a:extLst>
               <a:ext uri="{FF2B5EF4-FFF2-40B4-BE49-F238E27FC236}">
-                <a16:creationId xmlns:a16="http://schemas.microsoft.com/office/drawing/2014/main" id="{9832870A-5B43-2D57-6B01-F750F9A8EB29}"/>
+                <a16:creationId xmlns:a16="http://schemas.microsoft.com/office/drawing/2014/main" id="{CA7025C2-C1FC-B28D-FBAA-C4F546F6A038}"/>
               </a:ext>
             </a:extLst>
           </p:cNvPr>
@@ -2902,7 +2902,7 @@
             </a:lvl1pPr>
           </a:lstStyle>
           <a:p>
-            <a:fld id="{26F1BD2A-C01A-4457-AE09-7ADB6E15D84F}" type="datetimeFigureOut">
+            <a:fld id="{ED46A680-7FA5-42CB-A692-815FA4C40B40}" type="datetimeFigureOut">
               <a:rPr lang="zh-CN" altLang="en-US" smtClean="0"/>
               <a:t>2024/3/10</a:t>
             </a:fld>
@@ -2915,7 +2915,7 @@
           <p:cNvPr id="5" name="页脚占位符 4">
             <a:extLst>
               <a:ext uri="{FF2B5EF4-FFF2-40B4-BE49-F238E27FC236}">
-                <a16:creationId xmlns:a16="http://schemas.microsoft.com/office/drawing/2014/main" id="{93783FF6-AA9E-7C45-4DC8-FCBD3C17C5F7}"/>
+                <a16:creationId xmlns:a16="http://schemas.microsoft.com/office/drawing/2014/main" id="{B7395B43-83A7-762D-C41A-9DDF7FC9B58F}"/>
               </a:ext>
             </a:extLst>
           </p:cNvPr>
@@ -2958,7 +2958,7 @@
           <p:cNvPr id="6" name="灯片编号占位符 5">
             <a:extLst>
               <a:ext uri="{FF2B5EF4-FFF2-40B4-BE49-F238E27FC236}">
-                <a16:creationId xmlns:a16="http://schemas.microsoft.com/office/drawing/2014/main" id="{8231D37B-F539-6D7B-FC07-6A486FE5EBC5}"/>
+                <a16:creationId xmlns:a16="http://schemas.microsoft.com/office/drawing/2014/main" id="{2FD9AB2A-167A-3D86-0297-84D70D3CD6FA}"/>
               </a:ext>
             </a:extLst>
           </p:cNvPr>
@@ -2992,7 +2992,7 @@
             </a:lvl1pPr>
           </a:lstStyle>
           <a:p>
-            <a:fld id="{81D63AC2-DC51-48BF-A13F-CB385D88E49A}" type="slidenum">
+            <a:fld id="{82775F6B-3023-42FF-B11D-D8B2E99C7E49}" type="slidenum">
               <a:rPr lang="zh-CN" altLang="en-US" smtClean="0"/>
               <a:t>‹#›</a:t>
             </a:fld>
@@ -3003,7 +3003,7 @@
     </p:spTree>
     <p:extLst>
       <p:ext uri="{BB962C8B-B14F-4D97-AF65-F5344CB8AC3E}">
-        <p14:creationId xmlns:p14="http://schemas.microsoft.com/office/powerpoint/2010/main" val="296828910"/>
+        <p14:creationId xmlns:p14="http://schemas.microsoft.com/office/powerpoint/2010/main" val="581296743"/>
       </p:ext>
     </p:extLst>
   </p:cSld>
